--- a/.lessons/5 RestFullApi 2/1.pptx
+++ b/.lessons/5 RestFullApi 2/1.pptx
@@ -4609,15 +4609,45 @@
           <a:lstStyle/>
           <a:p>
             <a:r>
-              <a:rPr lang="en-US">
-                <a:latin typeface="-apple-system"/>
-              </a:rPr>
-              <a:t>.</a:t>
+              <a:rPr lang="az-Latn-AZ">
+                <a:latin typeface="-apple-system"/>
+              </a:rPr>
+              <a:t>İndi Backend üçün DB yaradırıq.</a:t>
             </a:r>
             <a:endParaRPr lang="en-US"/>
           </a:p>
         </p:txBody>
       </p:sp>
+      <p:pic>
+        <p:nvPicPr>
+          <p:cNvPr id="3" name="Picture 2">
+            <a:extLst>
+              <a:ext uri="{FF2B5EF4-FFF2-40B4-BE49-F238E27FC236}">
+                <a16:creationId xmlns:a16="http://schemas.microsoft.com/office/drawing/2014/main" id="{FA41FBAB-2D92-E4DA-E3A2-3AE789C2F281}"/>
+              </a:ext>
+            </a:extLst>
+          </p:cNvPr>
+          <p:cNvPicPr>
+            <a:picLocks noChangeAspect="1"/>
+          </p:cNvPicPr>
+          <p:nvPr/>
+        </p:nvPicPr>
+        <p:blipFill>
+          <a:blip r:embed="rId2"/>
+          <a:stretch>
+            <a:fillRect/>
+          </a:stretch>
+        </p:blipFill>
+        <p:spPr>
+          <a:xfrm>
+            <a:off x="2646618" y="2637836"/>
+            <a:ext cx="9545382" cy="4220164"/>
+          </a:xfrm>
+          <a:prstGeom prst="rect">
+            <a:avLst/>
+          </a:prstGeom>
+        </p:spPr>
+      </p:pic>
     </p:spTree>
     <p:extLst>
       <p:ext uri="{BB962C8B-B14F-4D97-AF65-F5344CB8AC3E}">
@@ -4683,15 +4713,45 @@
           <a:lstStyle/>
           <a:p>
             <a:r>
-              <a:rPr lang="en-US">
-                <a:latin typeface="-apple-system"/>
-              </a:rPr>
-              <a:t>.</a:t>
+              <a:rPr lang="az-Latn-AZ">
+                <a:latin typeface="-apple-system"/>
+              </a:rPr>
+              <a:t>Cədvəlin adı POSTS olacaq.</a:t>
             </a:r>
             <a:endParaRPr lang="en-US"/>
           </a:p>
         </p:txBody>
       </p:sp>
+      <p:pic>
+        <p:nvPicPr>
+          <p:cNvPr id="3" name="Picture 2">
+            <a:extLst>
+              <a:ext uri="{FF2B5EF4-FFF2-40B4-BE49-F238E27FC236}">
+                <a16:creationId xmlns:a16="http://schemas.microsoft.com/office/drawing/2014/main" id="{643CF776-1A32-05F0-D038-FB956A7C532D}"/>
+              </a:ext>
+            </a:extLst>
+          </p:cNvPr>
+          <p:cNvPicPr>
+            <a:picLocks noChangeAspect="1"/>
+          </p:cNvPicPr>
+          <p:nvPr/>
+        </p:nvPicPr>
+        <p:blipFill>
+          <a:blip r:embed="rId2"/>
+          <a:stretch>
+            <a:fillRect/>
+          </a:stretch>
+        </p:blipFill>
+        <p:spPr>
+          <a:xfrm>
+            <a:off x="4770989" y="2856942"/>
+            <a:ext cx="7421011" cy="4001058"/>
+          </a:xfrm>
+          <a:prstGeom prst="rect">
+            <a:avLst/>
+          </a:prstGeom>
+        </p:spPr>
+      </p:pic>
     </p:spTree>
     <p:extLst>
       <p:ext uri="{BB962C8B-B14F-4D97-AF65-F5344CB8AC3E}">
@@ -4952,15 +5012,45 @@
           <a:lstStyle/>
           <a:p>
             <a:r>
-              <a:rPr lang="en-US">
-                <a:latin typeface="-apple-system"/>
-              </a:rPr>
-              <a:t>.</a:t>
+              <a:rPr lang="az-Latn-AZ">
+                <a:latin typeface="-apple-system"/>
+              </a:rPr>
+              <a:t>Sütun adları əlavə edirik.</a:t>
             </a:r>
             <a:endParaRPr lang="en-US"/>
           </a:p>
         </p:txBody>
       </p:sp>
+      <p:pic>
+        <p:nvPicPr>
+          <p:cNvPr id="3" name="Picture 2">
+            <a:extLst>
+              <a:ext uri="{FF2B5EF4-FFF2-40B4-BE49-F238E27FC236}">
+                <a16:creationId xmlns:a16="http://schemas.microsoft.com/office/drawing/2014/main" id="{7B1C67F7-CA04-DACD-358C-25B869C1D472}"/>
+              </a:ext>
+            </a:extLst>
+          </p:cNvPr>
+          <p:cNvPicPr>
+            <a:picLocks noChangeAspect="1"/>
+          </p:cNvPicPr>
+          <p:nvPr/>
+        </p:nvPicPr>
+        <p:blipFill>
+          <a:blip r:embed="rId2"/>
+          <a:stretch>
+            <a:fillRect/>
+          </a:stretch>
+        </p:blipFill>
+        <p:spPr>
+          <a:xfrm>
+            <a:off x="0" y="2478598"/>
+            <a:ext cx="12192000" cy="4379402"/>
+          </a:xfrm>
+          <a:prstGeom prst="rect">
+            <a:avLst/>
+          </a:prstGeom>
+        </p:spPr>
+      </p:pic>
     </p:spTree>
     <p:extLst>
       <p:ext uri="{BB962C8B-B14F-4D97-AF65-F5344CB8AC3E}">
@@ -5035,6 +5125,36 @@
           </a:p>
         </p:txBody>
       </p:sp>
+      <p:pic>
+        <p:nvPicPr>
+          <p:cNvPr id="3" name="Picture 2">
+            <a:extLst>
+              <a:ext uri="{FF2B5EF4-FFF2-40B4-BE49-F238E27FC236}">
+                <a16:creationId xmlns:a16="http://schemas.microsoft.com/office/drawing/2014/main" id="{E333F5C3-904D-AD85-292A-981E120765B2}"/>
+              </a:ext>
+            </a:extLst>
+          </p:cNvPr>
+          <p:cNvPicPr>
+            <a:picLocks noChangeAspect="1"/>
+          </p:cNvPicPr>
+          <p:nvPr/>
+        </p:nvPicPr>
+        <p:blipFill>
+          <a:blip r:embed="rId2"/>
+          <a:stretch>
+            <a:fillRect/>
+          </a:stretch>
+        </p:blipFill>
+        <p:spPr>
+          <a:xfrm>
+            <a:off x="2338552" y="0"/>
+            <a:ext cx="9853448" cy="6858000"/>
+          </a:xfrm>
+          <a:prstGeom prst="rect">
+            <a:avLst/>
+          </a:prstGeom>
+        </p:spPr>
+      </p:pic>
     </p:spTree>
     <p:extLst>
       <p:ext uri="{BB962C8B-B14F-4D97-AF65-F5344CB8AC3E}">
@@ -5103,12 +5223,48 @@
               <a:rPr lang="en-US">
                 <a:latin typeface="-apple-system"/>
               </a:rPr>
-              <a:t>.</a:t>
+              <a:t>Manual </a:t>
+            </a:r>
+            <a:r>
+              <a:rPr lang="az-Latn-AZ">
+                <a:latin typeface="-apple-system"/>
+              </a:rPr>
+              <a:t>əlavə edilən datalar.</a:t>
             </a:r>
             <a:endParaRPr lang="en-US"/>
           </a:p>
         </p:txBody>
       </p:sp>
+      <p:pic>
+        <p:nvPicPr>
+          <p:cNvPr id="3" name="Picture 2">
+            <a:extLst>
+              <a:ext uri="{FF2B5EF4-FFF2-40B4-BE49-F238E27FC236}">
+                <a16:creationId xmlns:a16="http://schemas.microsoft.com/office/drawing/2014/main" id="{64325BAB-62E7-03C3-5BE2-D83C7B5DD8BA}"/>
+              </a:ext>
+            </a:extLst>
+          </p:cNvPr>
+          <p:cNvPicPr>
+            <a:picLocks noChangeAspect="1"/>
+          </p:cNvPicPr>
+          <p:nvPr/>
+        </p:nvPicPr>
+        <p:blipFill>
+          <a:blip r:embed="rId2"/>
+          <a:stretch>
+            <a:fillRect/>
+          </a:stretch>
+        </p:blipFill>
+        <p:spPr>
+          <a:xfrm>
+            <a:off x="1209964" y="960548"/>
+            <a:ext cx="10982036" cy="5897452"/>
+          </a:xfrm>
+          <a:prstGeom prst="rect">
+            <a:avLst/>
+          </a:prstGeom>
+        </p:spPr>
+      </p:pic>
     </p:spTree>
     <p:extLst>
       <p:ext uri="{BB962C8B-B14F-4D97-AF65-F5344CB8AC3E}">
@@ -5160,7 +5316,7 @@
         <p:spPr>
           <a:xfrm>
             <a:off x="203200" y="244826"/>
-            <a:ext cx="11822545" cy="369332"/>
+            <a:ext cx="11822545" cy="1477328"/>
           </a:xfrm>
           <a:prstGeom prst="rect">
             <a:avLst/>
@@ -5174,15 +5330,173 @@
           <a:lstStyle/>
           <a:p>
             <a:r>
-              <a:rPr lang="en-US">
-                <a:latin typeface="-apple-system"/>
-              </a:rPr>
-              <a:t>.</a:t>
+              <a:rPr lang="az-Latn-AZ">
+                <a:latin typeface="-apple-system"/>
+              </a:rPr>
+              <a:t>İndi </a:t>
+            </a:r>
+            <a:r>
+              <a:rPr lang="az-Latn-AZ" b="1">
+                <a:latin typeface="-apple-system"/>
+              </a:rPr>
+              <a:t>Backend</a:t>
+            </a:r>
+            <a:r>
+              <a:rPr lang="az-Latn-AZ">
+                <a:latin typeface="-apple-system"/>
+              </a:rPr>
+              <a:t> üçün </a:t>
+            </a:r>
+            <a:r>
+              <a:rPr lang="az-Latn-AZ" b="1">
+                <a:latin typeface="-apple-system"/>
+              </a:rPr>
+              <a:t>APİ</a:t>
+            </a:r>
+            <a:r>
+              <a:rPr lang="az-Latn-AZ">
+                <a:latin typeface="-apple-system"/>
+              </a:rPr>
+              <a:t> adında </a:t>
+            </a:r>
+            <a:r>
+              <a:rPr lang="az-Latn-AZ" b="1">
+                <a:latin typeface="-apple-system"/>
+              </a:rPr>
+              <a:t>qolvuq</a:t>
+            </a:r>
+            <a:r>
+              <a:rPr lang="az-Latn-AZ">
+                <a:latin typeface="-apple-system"/>
+              </a:rPr>
+              <a:t> yaradırıq. </a:t>
+            </a:r>
+          </a:p>
+          <a:p>
+            <a:endParaRPr lang="az-Latn-AZ">
+              <a:latin typeface="-apple-system"/>
+            </a:endParaRPr>
+          </a:p>
+          <a:p>
+            <a:r>
+              <a:rPr lang="az-Latn-AZ">
+                <a:latin typeface="-apple-system"/>
+              </a:rPr>
+              <a:t>Sonra bu qovluq içində başlanğıc olaraq </a:t>
+            </a:r>
+            <a:r>
+              <a:rPr lang="az-Latn-AZ" b="1">
+                <a:latin typeface="-apple-system"/>
+              </a:rPr>
+              <a:t>connect.php</a:t>
+            </a:r>
+            <a:r>
+              <a:rPr lang="az-Latn-AZ">
+                <a:latin typeface="-apple-system"/>
+              </a:rPr>
+              <a:t>, </a:t>
+            </a:r>
+            <a:r>
+              <a:rPr lang="az-Latn-AZ" b="1">
+                <a:latin typeface="-apple-system"/>
+              </a:rPr>
+              <a:t>index.php</a:t>
+            </a:r>
+            <a:r>
+              <a:rPr lang="az-Latn-AZ">
+                <a:latin typeface="-apple-system"/>
+              </a:rPr>
+              <a:t> və </a:t>
+            </a:r>
+            <a:r>
+              <a:rPr lang="az-Latn-AZ" b="1">
+                <a:latin typeface="-apple-system"/>
+              </a:rPr>
+              <a:t>function.php </a:t>
+            </a:r>
+            <a:r>
+              <a:rPr lang="az-Latn-AZ">
+                <a:latin typeface="-apple-system"/>
+              </a:rPr>
+              <a:t>adında 2 fayl yaradırıq.</a:t>
+            </a:r>
+          </a:p>
+          <a:p>
+            <a:endParaRPr lang="az-Latn-AZ">
+              <a:latin typeface="-apple-system"/>
+            </a:endParaRPr>
+          </a:p>
+          <a:p>
+            <a:r>
+              <a:rPr lang="az-Latn-AZ" b="1">
+                <a:latin typeface="-apple-system"/>
+              </a:rPr>
+              <a:t>connect.php </a:t>
+            </a:r>
+            <a:r>
+              <a:rPr lang="az-Latn-AZ">
+                <a:latin typeface="-apple-system"/>
+              </a:rPr>
+              <a:t>faylını, </a:t>
+            </a:r>
+            <a:r>
+              <a:rPr lang="az-Latn-AZ" b="1">
+                <a:latin typeface="-apple-system"/>
+              </a:rPr>
+              <a:t>DB</a:t>
+            </a:r>
+            <a:r>
+              <a:rPr lang="az-Latn-AZ">
+                <a:latin typeface="-apple-system"/>
+              </a:rPr>
+              <a:t> -sə </a:t>
+            </a:r>
+            <a:r>
+              <a:rPr lang="az-Latn-AZ" b="1">
+                <a:latin typeface="-apple-system"/>
+              </a:rPr>
+              <a:t>qoşulmaq</a:t>
+            </a:r>
+            <a:r>
+              <a:rPr lang="az-Latn-AZ">
+                <a:latin typeface="-apple-system"/>
+              </a:rPr>
+              <a:t> üçün istifadə edəcəyik. </a:t>
             </a:r>
             <a:endParaRPr lang="en-US"/>
           </a:p>
         </p:txBody>
       </p:sp>
+      <p:pic>
+        <p:nvPicPr>
+          <p:cNvPr id="3" name="Picture 2">
+            <a:extLst>
+              <a:ext uri="{FF2B5EF4-FFF2-40B4-BE49-F238E27FC236}">
+                <a16:creationId xmlns:a16="http://schemas.microsoft.com/office/drawing/2014/main" id="{CD337911-3F89-47C0-7832-E12752425204}"/>
+              </a:ext>
+            </a:extLst>
+          </p:cNvPr>
+          <p:cNvPicPr>
+            <a:picLocks noChangeAspect="1"/>
+          </p:cNvPicPr>
+          <p:nvPr/>
+        </p:nvPicPr>
+        <p:blipFill>
+          <a:blip r:embed="rId2"/>
+          <a:stretch>
+            <a:fillRect/>
+          </a:stretch>
+        </p:blipFill>
+        <p:spPr>
+          <a:xfrm>
+            <a:off x="0" y="4952760"/>
+            <a:ext cx="12192000" cy="1905240"/>
+          </a:xfrm>
+          <a:prstGeom prst="rect">
+            <a:avLst/>
+          </a:prstGeom>
+        </p:spPr>
+      </p:pic>
     </p:spTree>
     <p:extLst>
       <p:ext uri="{BB962C8B-B14F-4D97-AF65-F5344CB8AC3E}">
@@ -5234,7 +5548,7 @@
         <p:spPr>
           <a:xfrm>
             <a:off x="203200" y="244826"/>
-            <a:ext cx="11822545" cy="369332"/>
+            <a:ext cx="11822545" cy="923330"/>
           </a:xfrm>
           <a:prstGeom prst="rect">
             <a:avLst/>
@@ -5248,10 +5562,65 @@
           <a:lstStyle/>
           <a:p>
             <a:r>
+              <a:rPr lang="en-US" b="1">
+                <a:latin typeface="-apple-system"/>
+              </a:rPr>
+              <a:t>index.php </a:t>
+            </a:r>
+            <a:r>
               <a:rPr lang="en-US">
                 <a:latin typeface="-apple-system"/>
               </a:rPr>
-              <a:t>.</a:t>
+              <a:t>fayl</a:t>
+            </a:r>
+            <a:r>
+              <a:rPr lang="az-Latn-AZ">
+                <a:latin typeface="-apple-system"/>
+              </a:rPr>
+              <a:t>ında isə </a:t>
+            </a:r>
+            <a:r>
+              <a:rPr lang="az-Latn-AZ" b="1">
+                <a:latin typeface="-apple-system"/>
+              </a:rPr>
+              <a:t>CRUD</a:t>
+            </a:r>
+            <a:r>
+              <a:rPr lang="az-Latn-AZ">
+                <a:latin typeface="-apple-system"/>
+              </a:rPr>
+              <a:t> funksiyalarımızı çağırıb istifadə edəcəyik. </a:t>
+            </a:r>
+          </a:p>
+          <a:p>
+            <a:endParaRPr lang="az-Latn-AZ">
+              <a:latin typeface="-apple-system"/>
+            </a:endParaRPr>
+          </a:p>
+          <a:p>
+            <a:r>
+              <a:rPr lang="az-Latn-AZ" b="1">
+                <a:latin typeface="-apple-system"/>
+              </a:rPr>
+              <a:t>CRUD</a:t>
+            </a:r>
+            <a:r>
+              <a:rPr lang="az-Latn-AZ">
+                <a:latin typeface="-apple-system"/>
+              </a:rPr>
+              <a:t> funksiyalarımızı da, </a:t>
+            </a:r>
+            <a:r>
+              <a:rPr lang="az-Latn-AZ" b="1">
+                <a:latin typeface="-apple-system"/>
+              </a:rPr>
+              <a:t>function.php</a:t>
+            </a:r>
+            <a:r>
+              <a:rPr lang="az-Latn-AZ">
+                <a:latin typeface="-apple-system"/>
+              </a:rPr>
+              <a:t> faylında yerləşdirəcəyik.</a:t>
             </a:r>
             <a:endParaRPr lang="en-US"/>
           </a:p>
